--- a/Projetos/Emotiv/Documentos 2013/Projeto_TecladoNeural/Apresentação/Apresentação - 03-10-2013/Apresentação Emotiv v1.3.pptx
+++ b/Projetos/Emotiv/Documentos 2013/Projeto_TecladoNeural/Apresentação/Apresentação - 03-10-2013/Apresentação Emotiv v1.3.pptx
@@ -128,10 +128,32 @@
   </p:defaultTextStyle>
   <p:extLst>
     <p:ext uri="{EFAFB233-063F-42B5-8137-9DF3F51BA10A}">
-      <p15:sldGuideLst xmlns:p15="http://schemas.microsoft.com/office/powerpoint/2012/main" xmlns=""/>
+      <p15:sldGuideLst xmlns:p15="http://schemas.microsoft.com/office/powerpoint/2012/main">
+        <p15:guide id="1" orient="horz" pos="2160">
+          <p15:clr>
+            <a:srgbClr val="A4A3A4"/>
+          </p15:clr>
+        </p15:guide>
+        <p15:guide id="2" pos="2880">
+          <p15:clr>
+            <a:srgbClr val="A4A3A4"/>
+          </p15:clr>
+        </p15:guide>
+      </p15:sldGuideLst>
     </p:ext>
     <p:ext uri="{2D200454-40CA-4A62-9FC3-DE9A4176ACB9}">
-      <p15:notesGuideLst xmlns:p15="http://schemas.microsoft.com/office/powerpoint/2012/main" xmlns=""/>
+      <p15:notesGuideLst xmlns:p15="http://schemas.microsoft.com/office/powerpoint/2012/main">
+        <p15:guide id="1" orient="horz" pos="2880">
+          <p15:clr>
+            <a:srgbClr val="A4A3A4"/>
+          </p15:clr>
+        </p15:guide>
+        <p15:guide id="2" pos="2160">
+          <p15:clr>
+            <a:srgbClr val="A4A3A4"/>
+          </p15:clr>
+        </p15:guide>
+      </p15:notesGuideLst>
     </p:ext>
   </p:extLst>
 </p:presentation>
@@ -227,7 +249,7 @@
           <a:p>
             <a:fld id="{6E8A6D7C-E9E5-4572-AE0D-75129228B237}" type="datetimeFigureOut">
               <a:rPr lang="pt-BR" smtClean="0"/>
-              <a:t>4/10/2013</a:t>
+              <a:t>04/10/2013</a:t>
             </a:fld>
             <a:endParaRPr lang="pt-BR"/>
           </a:p>
@@ -2966,7 +2988,7 @@
           <a:p>
             <a:fld id="{3390C68C-0203-4006-99F5-3A52E57B9FF4}" type="datetime1">
               <a:rPr lang="pt-BR" smtClean="0"/>
-              <a:t>4/10/2013</a:t>
+              <a:t>04/10/2013</a:t>
             </a:fld>
             <a:endParaRPr lang="pt-BR"/>
           </a:p>
@@ -4071,7 +4093,7 @@
           <a:p>
             <a:fld id="{897B309B-9CC8-4E62-BC72-ED620DFA83F7}" type="datetime1">
               <a:rPr lang="pt-BR" smtClean="0"/>
-              <a:t>4/10/2013</a:t>
+              <a:t>04/10/2013</a:t>
             </a:fld>
             <a:endParaRPr lang="pt-BR"/>
           </a:p>
@@ -5073,7 +5095,7 @@
           <a:p>
             <a:fld id="{0D84D7EF-4197-4940-B9BA-4A014A44D5DD}" type="datetime1">
               <a:rPr lang="pt-BR" smtClean="0"/>
-              <a:t>4/10/2013</a:t>
+              <a:t>04/10/2013</a:t>
             </a:fld>
             <a:endParaRPr lang="pt-BR"/>
           </a:p>
@@ -6192,7 +6214,7 @@
           <a:p>
             <a:fld id="{39115494-FC04-435A-921F-7024666C2FAA}" type="datetime1">
               <a:rPr lang="pt-BR" smtClean="0"/>
-              <a:t>4/10/2013</a:t>
+              <a:t>04/10/2013</a:t>
             </a:fld>
             <a:endParaRPr lang="pt-BR"/>
           </a:p>
@@ -7210,7 +7232,7 @@
           <a:p>
             <a:fld id="{917605BD-2388-4F08-82ED-5DAA206FB655}" type="datetime1">
               <a:rPr lang="pt-BR" smtClean="0"/>
-              <a:t>4/10/2013</a:t>
+              <a:t>04/10/2013</a:t>
             </a:fld>
             <a:endParaRPr lang="pt-BR"/>
           </a:p>
@@ -7886,7 +7908,7 @@
           <a:p>
             <a:fld id="{472B021A-63D5-486E-B3A4-C2DFB1244F6E}" type="datetime1">
               <a:rPr lang="pt-BR" smtClean="0"/>
-              <a:t>4/10/2013</a:t>
+              <a:t>04/10/2013</a:t>
             </a:fld>
             <a:endParaRPr lang="pt-BR"/>
           </a:p>
@@ -8763,7 +8785,7 @@
           <a:p>
             <a:fld id="{4947F5D5-0BCB-47AB-90C0-D870A94B5A41}" type="datetime1">
               <a:rPr lang="pt-BR" smtClean="0"/>
-              <a:t>4/10/2013</a:t>
+              <a:t>04/10/2013</a:t>
             </a:fld>
             <a:endParaRPr lang="pt-BR"/>
           </a:p>
@@ -8954,7 +8976,7 @@
           <a:p>
             <a:fld id="{85AC7949-BF5B-4803-898C-2EE30585451A}" type="datetime1">
               <a:rPr lang="pt-BR" smtClean="0"/>
-              <a:t>4/10/2013</a:t>
+              <a:t>04/10/2013</a:t>
             </a:fld>
             <a:endParaRPr lang="pt-BR"/>
           </a:p>
@@ -9907,7 +9929,7 @@
           <a:p>
             <a:fld id="{50280EC7-147E-4D34-A5FC-60A97F197529}" type="datetime1">
               <a:rPr lang="pt-BR" smtClean="0"/>
-              <a:t>4/10/2013</a:t>
+              <a:t>04/10/2013</a:t>
             </a:fld>
             <a:endParaRPr lang="pt-BR"/>
           </a:p>
@@ -10143,7 +10165,7 @@
           <a:p>
             <a:fld id="{BBFEE186-7462-48BE-80AD-F239183D18CE}" type="datetime1">
               <a:rPr lang="pt-BR" smtClean="0"/>
-              <a:t>4/10/2013</a:t>
+              <a:t>04/10/2013</a:t>
             </a:fld>
             <a:endParaRPr lang="pt-BR"/>
           </a:p>
@@ -11158,7 +11180,7 @@
           <a:p>
             <a:fld id="{2A781E2E-59F7-430A-8A25-58DE8941E662}" type="datetime1">
               <a:rPr lang="pt-BR" smtClean="0"/>
-              <a:t>4/10/2013</a:t>
+              <a:t>04/10/2013</a:t>
             </a:fld>
             <a:endParaRPr lang="pt-BR"/>
           </a:p>
@@ -11446,7 +11468,7 @@
           <a:p>
             <a:fld id="{5273DF27-A01E-48E1-8EF2-5CBDB670CBE1}" type="datetime1">
               <a:rPr lang="pt-BR" smtClean="0"/>
-              <a:t>4/10/2013</a:t>
+              <a:t>04/10/2013</a:t>
             </a:fld>
             <a:endParaRPr lang="pt-BR"/>
           </a:p>
@@ -11850,7 +11872,7 @@
           <a:p>
             <a:fld id="{900313E9-A106-4C5A-98B9-073EB19711A0}" type="datetime1">
               <a:rPr lang="pt-BR" smtClean="0"/>
-              <a:t>4/10/2013</a:t>
+              <a:t>04/10/2013</a:t>
             </a:fld>
             <a:endParaRPr lang="pt-BR"/>
           </a:p>
@@ -11984,7 +12006,7 @@
           <a:p>
             <a:fld id="{D9BC63E4-5913-4B77-BC29-1308F466EDC5}" type="datetime1">
               <a:rPr lang="pt-BR" smtClean="0"/>
-              <a:t>4/10/2013</a:t>
+              <a:t>04/10/2013</a:t>
             </a:fld>
             <a:endParaRPr lang="pt-BR"/>
           </a:p>
@@ -12131,7 +12153,7 @@
           <a:p>
             <a:fld id="{E9D5DE84-9BCD-4451-A386-BBBCEDCBBB45}" type="datetime1">
               <a:rPr lang="pt-BR" smtClean="0"/>
-              <a:t>4/10/2013</a:t>
+              <a:t>04/10/2013</a:t>
             </a:fld>
             <a:endParaRPr lang="pt-BR"/>
           </a:p>
@@ -13157,7 +13179,7 @@
           <a:p>
             <a:fld id="{E3D68F43-8D8D-4115-AEF7-D8E95F860F7F}" type="datetime1">
               <a:rPr lang="pt-BR" smtClean="0"/>
-              <a:t>4/10/2013</a:t>
+              <a:t>04/10/2013</a:t>
             </a:fld>
             <a:endParaRPr lang="pt-BR"/>
           </a:p>
@@ -14243,7 +14265,7 @@
           <a:p>
             <a:fld id="{02A1BF74-29DB-4114-AE45-DC93E11E7B1F}" type="datetime1">
               <a:rPr lang="pt-BR" smtClean="0"/>
-              <a:t>4/10/2013</a:t>
+              <a:t>04/10/2013</a:t>
             </a:fld>
             <a:endParaRPr lang="pt-BR"/>
           </a:p>
@@ -15221,7 +15243,7 @@
           <a:p>
             <a:fld id="{83A89DC4-732C-4F6A-8A4F-4ACFE69F3A21}" type="datetime1">
               <a:rPr lang="pt-BR" smtClean="0"/>
-              <a:t>4/10/2013</a:t>
+              <a:t>04/10/2013</a:t>
             </a:fld>
             <a:endParaRPr lang="pt-BR"/>
           </a:p>
@@ -22502,7 +22524,7 @@
   <a:extraClrSchemeLst/>
   <a:extLst>
     <a:ext uri="{05A4C25C-085E-4340-85A3-A5531E510DB2}">
-      <thm15:themeFamily xmlns:thm15="http://schemas.microsoft.com/office/thememl/2012/main" xmlns="" name="Ion Boardroom" id="{FC33163D-4339-46B1-8EED-24C834239D99}" vid="{B8502691-933B-45FE-8764-BA278511EF27}"/>
+      <thm15:themeFamily xmlns:thm15="http://schemas.microsoft.com/office/thememl/2012/main" name="Ion Boardroom" id="{FC33163D-4339-46B1-8EED-24C834239D99}" vid="{B8502691-933B-45FE-8764-BA278511EF27}"/>
     </a:ext>
   </a:extLst>
 </a:theme>
@@ -22763,7 +22785,7 @@
   <a:extraClrSchemeLst/>
   <a:extLst>
     <a:ext uri="{05A4C25C-085E-4340-85A3-A5531E510DB2}">
-      <thm15:themeFamily xmlns:thm15="http://schemas.microsoft.com/office/thememl/2012/main" xmlns="" name="Office Theme" id="{62F939B6-93AF-4DB8-9C6B-D6C7DFDC589F}" vid="{4A3C46E8-61CC-4603-A589-7422A47A8E4A}"/>
+      <thm15:themeFamily xmlns:thm15="http://schemas.microsoft.com/office/thememl/2012/main" name="Office Theme" id="{62F939B6-93AF-4DB8-9C6B-D6C7DFDC589F}" vid="{4A3C46E8-61CC-4603-A589-7422A47A8E4A}"/>
     </a:ext>
   </a:extLst>
 </a:theme>
